--- a/Query_Writing/01_Writing_SQL_Queries.pptx
+++ b/Query_Writing/01_Writing_SQL_Queries.pptx
@@ -165,14 +165,6 @@
     </p:ext>
   </p:extLst>
 </p:presentation>
-</file>
-
-<file path=ppt/revisionInfo.xml><?xml version="1.0" encoding="utf-8"?>
-<p1510:revInfo xmlns:a="http://schemas.openxmlformats.org/drawingml/2006/main" xmlns:r="http://schemas.openxmlformats.org/officeDocument/2006/relationships" xmlns:p1510="http://schemas.microsoft.com/office/powerpoint/2015/10/main">
-  <p1510:revLst>
-    <p1510:client id="{6C57594B-6060-4C72-9C02-6DD029FC5C39}" v="96" dt="2020-10-25T14:06:57.061"/>
-  </p1510:revLst>
-</p1510:revInfo>
 </file>
 
 <file path=ppt/diagrams/colors1.xml><?xml version="1.0" encoding="utf-8"?>
@@ -6648,7 +6640,7 @@
           <a:p>
             <a:fld id="{CFBA6064-FDE0-48E8-9405-22609F48ED19}" type="datetimeFigureOut">
               <a:rPr lang="en-US" smtClean="0"/>
-              <a:t>10/25/2020</a:t>
+              <a:t>11/3/2020</a:t>
             </a:fld>
             <a:endParaRPr lang="en-US"/>
           </a:p>
@@ -7202,7 +7194,14 @@
           <a:prstGeom prst="rect">
             <a:avLst/>
           </a:prstGeom>
-          <a:noFill/>
+          <a:solidFill>
+            <a:schemeClr val="tx1"/>
+          </a:solidFill>
+          <a:ln>
+            <a:solidFill>
+              <a:schemeClr val="tx1"/>
+            </a:solidFill>
+          </a:ln>
         </p:spPr>
         <p:txBody>
           <a:bodyPr lIns="146304" tIns="91440" rIns="146304" bIns="91440" anchor="t" anchorCtr="0"/>
@@ -7289,7 +7288,14 @@
           <a:prstGeom prst="rect">
             <a:avLst/>
           </a:prstGeom>
-          <a:noFill/>
+          <a:solidFill>
+            <a:schemeClr val="tx1"/>
+          </a:solidFill>
+          <a:ln>
+            <a:solidFill>
+              <a:schemeClr val="tx1"/>
+            </a:solidFill>
+          </a:ln>
         </p:spPr>
         <p:txBody>
           <a:bodyPr lIns="146284" tIns="91427" rIns="146284" bIns="91427" anchor="t" anchorCtr="0"/>
@@ -7354,11 +7360,11 @@
             <a:avLst/>
           </a:prstGeom>
           <a:solidFill>
-            <a:srgbClr val="080808"/>
+            <a:schemeClr val="tx1"/>
           </a:solidFill>
           <a:ln>
             <a:solidFill>
-              <a:srgbClr val="080808"/>
+              <a:schemeClr val="tx1"/>
             </a:solidFill>
           </a:ln>
         </p:spPr>
@@ -7408,11 +7414,11 @@
             <a:avLst/>
           </a:prstGeom>
           <a:solidFill>
-            <a:srgbClr val="080808"/>
+            <a:schemeClr val="tx1"/>
           </a:solidFill>
           <a:ln>
             <a:solidFill>
-              <a:srgbClr val="080808"/>
+              <a:schemeClr val="tx1"/>
             </a:solidFill>
           </a:ln>
         </p:spPr>
@@ -7462,11 +7468,11 @@
             <a:avLst/>
           </a:prstGeom>
           <a:solidFill>
-            <a:srgbClr val="080808"/>
+            <a:schemeClr val="tx1"/>
           </a:solidFill>
           <a:ln>
             <a:solidFill>
-              <a:srgbClr val="080808"/>
+              <a:schemeClr val="tx1"/>
             </a:solidFill>
           </a:ln>
         </p:spPr>
@@ -8416,8 +8422,8 @@
         </p:nvSpPr>
         <p:spPr>
           <a:xfrm>
-            <a:off x="656716" y="3884670"/>
-            <a:ext cx="6275640" cy="1792850"/>
+            <a:off x="427417" y="4622901"/>
+            <a:ext cx="5668583" cy="1792850"/>
           </a:xfrm>
         </p:spPr>
         <p:txBody>
@@ -8431,14 +8437,7 @@
             </a:pPr>
             <a:r>
               <a:rPr lang="en-US" sz="4000" b="1" dirty="0"/>
-              <a:t>Writing</a:t>
-            </a:r>
-            <a:br>
-              <a:rPr lang="en-US" sz="4000" b="1" dirty="0"/>
-            </a:br>
-            <a:r>
-              <a:rPr lang="en-US" sz="4000" b="1" dirty="0"/>
-              <a:t>T-SQL Queries</a:t>
+              <a:t>Writing T-SQL Queries</a:t>
             </a:r>
             <a:br>
               <a:rPr lang="en-US" dirty="0"/>
